--- a/files/slides/lecture_3.pptx
+++ b/files/slides/lecture_3.pptx
@@ -17593,7 +17593,9 @@
   <dgm:styleData>
     <dgm:dataModel>
       <dgm:ptLst>
-        <dgm:pt modelId="0" type="doc"/>
+        <dgm:pt modelId="0" type="doc">
+          <dgm:prSet qsTypeId="urn:microsoft.com/office/officeart/2005/8/quickstyle/simple5"/>
+        </dgm:pt>
         <dgm:pt modelId="1"/>
         <dgm:pt modelId="2"/>
       </dgm:ptLst>

--- a/files/slides/lecture_3.pptx
+++ b/files/slides/lecture_3.pptx
@@ -16253,7 +16253,9 @@
   <dgm:styleData>
     <dgm:dataModel>
       <dgm:ptLst>
-        <dgm:pt modelId="0" type="doc"/>
+        <dgm:pt modelId="0" type="doc">
+          <dgm:prSet qsTypeId="urn:microsoft.com/office/officeart/2005/8/quickstyle/simple5"/>
+        </dgm:pt>
         <dgm:pt modelId="1"/>
         <dgm:pt modelId="2"/>
       </dgm:ptLst>
@@ -16420,7 +16422,9 @@
   <dgm:styleData>
     <dgm:dataModel>
       <dgm:ptLst>
-        <dgm:pt modelId="0" type="doc"/>
+        <dgm:pt modelId="0" type="doc">
+          <dgm:prSet qsTypeId="urn:microsoft.com/office/officeart/2005/8/quickstyle/simple5"/>
+        </dgm:pt>
         <dgm:pt modelId="1"/>
         <dgm:pt modelId="2"/>
       </dgm:ptLst>
@@ -16587,7 +16591,9 @@
   <dgm:styleData>
     <dgm:dataModel>
       <dgm:ptLst>
-        <dgm:pt modelId="0" type="doc"/>
+        <dgm:pt modelId="0" type="doc">
+          <dgm:prSet qsTypeId="urn:microsoft.com/office/officeart/2005/8/quickstyle/simple5"/>
+        </dgm:pt>
         <dgm:pt modelId="1"/>
         <dgm:pt modelId="2"/>
       </dgm:ptLst>

--- a/files/slides/lecture_3.pptx
+++ b/files/slides/lecture_3.pptx
@@ -17768,7 +17768,9 @@
   <dgm:styleData>
     <dgm:dataModel>
       <dgm:ptLst>
-        <dgm:pt modelId="0" type="doc"/>
+        <dgm:pt modelId="0" type="doc">
+          <dgm:prSet qsTypeId="urn:microsoft.com/office/officeart/2005/8/quickstyle/simple5"/>
+        </dgm:pt>
         <dgm:pt modelId="1"/>
         <dgm:pt modelId="2"/>
       </dgm:ptLst>
@@ -37393,7 +37395,7 @@
                   <a:tcPr marL="85332" marR="85332"/>
                 </a:tc>
               </a:tr>
-              <a:tr h="457838">
+              <a:tr h="457835">
                 <a:tc>
                   <a:txBody>
                     <a:bodyPr/>
